--- a/ppt 16-9/0479.快快进入葡萄园.pptx
+++ b/ppt 16-9/0479.快快进入葡萄园.pptx
@@ -129,7 +129,7 @@
           <p:cNvPr id="2" name="标题 1">
             <a:extLst>
               <a:ext uri="{FF2B5EF4-FFF2-40B4-BE49-F238E27FC236}">
-                <a16:creationId xmlns:a16="http://schemas.microsoft.com/office/drawing/2014/main" id="{DE916A61-2698-4529-B6B3-319728C7CD4E}"/>
+                <a16:creationId xmlns:a16="http://schemas.microsoft.com/office/drawing/2014/main" id="{DB9A4EF5-D4B7-CF7C-5D10-EBC1C941638C}"/>
               </a:ext>
             </a:extLst>
           </p:cNvPr>
@@ -166,7 +166,7 @@
           <p:cNvPr id="3" name="副标题 2">
             <a:extLst>
               <a:ext uri="{FF2B5EF4-FFF2-40B4-BE49-F238E27FC236}">
-                <a16:creationId xmlns:a16="http://schemas.microsoft.com/office/drawing/2014/main" id="{CB7E6516-2BC3-CB28-2CD2-30276C5EB429}"/>
+                <a16:creationId xmlns:a16="http://schemas.microsoft.com/office/drawing/2014/main" id="{45115ED0-B981-2F21-E4CE-3DDFF5628326}"/>
               </a:ext>
             </a:extLst>
           </p:cNvPr>
@@ -236,7 +236,7 @@
           <p:cNvPr id="4" name="日期占位符 3">
             <a:extLst>
               <a:ext uri="{FF2B5EF4-FFF2-40B4-BE49-F238E27FC236}">
-                <a16:creationId xmlns:a16="http://schemas.microsoft.com/office/drawing/2014/main" id="{02571DC1-01FA-24E0-CCFC-CE390FA2F6A7}"/>
+                <a16:creationId xmlns:a16="http://schemas.microsoft.com/office/drawing/2014/main" id="{A0C25669-7C92-3914-61DC-837A05CCF904}"/>
               </a:ext>
             </a:extLst>
           </p:cNvPr>
@@ -252,7 +252,7 @@
           <a:bodyPr/>
           <a:lstStyle/>
           <a:p>
-            <a:fld id="{286B39CF-0107-4A2D-A0F3-A1CC8567BE74}" type="datetimeFigureOut">
+            <a:fld id="{D9072197-4B8D-4C02-B1C5-D73D0A377B8C}" type="datetimeFigureOut">
               <a:rPr lang="zh-CN" altLang="en-US" smtClean="0"/>
               <a:t>2024/3/10</a:t>
             </a:fld>
@@ -265,7 +265,7 @@
           <p:cNvPr id="5" name="页脚占位符 4">
             <a:extLst>
               <a:ext uri="{FF2B5EF4-FFF2-40B4-BE49-F238E27FC236}">
-                <a16:creationId xmlns:a16="http://schemas.microsoft.com/office/drawing/2014/main" id="{1F9BD757-F36B-C8ED-2E4F-990DF5B319D8}"/>
+                <a16:creationId xmlns:a16="http://schemas.microsoft.com/office/drawing/2014/main" id="{162D69A8-C327-07C5-82DB-2D45B5D35715}"/>
               </a:ext>
             </a:extLst>
           </p:cNvPr>
@@ -290,7 +290,7 @@
           <p:cNvPr id="6" name="灯片编号占位符 5">
             <a:extLst>
               <a:ext uri="{FF2B5EF4-FFF2-40B4-BE49-F238E27FC236}">
-                <a16:creationId xmlns:a16="http://schemas.microsoft.com/office/drawing/2014/main" id="{9D01416B-C33D-ECDD-4155-CE82B918DC57}"/>
+                <a16:creationId xmlns:a16="http://schemas.microsoft.com/office/drawing/2014/main" id="{0E59D1DC-DC15-8984-4550-64C8C79C329F}"/>
               </a:ext>
             </a:extLst>
           </p:cNvPr>
@@ -306,7 +306,7 @@
           <a:bodyPr/>
           <a:lstStyle/>
           <a:p>
-            <a:fld id="{83B70F3A-75BF-4E83-876B-ED9F3EFEF57B}" type="slidenum">
+            <a:fld id="{330604BF-AAD4-480D-9DF7-BD189B01136D}" type="slidenum">
               <a:rPr lang="zh-CN" altLang="en-US" smtClean="0"/>
               <a:t>‹#›</a:t>
             </a:fld>
@@ -317,7 +317,7 @@
     </p:spTree>
     <p:extLst>
       <p:ext uri="{BB962C8B-B14F-4D97-AF65-F5344CB8AC3E}">
-        <p14:creationId xmlns:p14="http://schemas.microsoft.com/office/powerpoint/2010/main" val="3475294582"/>
+        <p14:creationId xmlns:p14="http://schemas.microsoft.com/office/powerpoint/2010/main" val="164295530"/>
       </p:ext>
     </p:extLst>
   </p:cSld>
@@ -349,7 +349,7 @@
           <p:cNvPr id="2" name="标题 1">
             <a:extLst>
               <a:ext uri="{FF2B5EF4-FFF2-40B4-BE49-F238E27FC236}">
-                <a16:creationId xmlns:a16="http://schemas.microsoft.com/office/drawing/2014/main" id="{1FB903D0-FBB5-C983-82F9-B81F750E0DDC}"/>
+                <a16:creationId xmlns:a16="http://schemas.microsoft.com/office/drawing/2014/main" id="{D46762CE-4423-D117-6C4C-A9284CD3D969}"/>
               </a:ext>
             </a:extLst>
           </p:cNvPr>
@@ -377,7 +377,7 @@
           <p:cNvPr id="3" name="竖排文字占位符 2">
             <a:extLst>
               <a:ext uri="{FF2B5EF4-FFF2-40B4-BE49-F238E27FC236}">
-                <a16:creationId xmlns:a16="http://schemas.microsoft.com/office/drawing/2014/main" id="{078B9020-8DBC-9518-D795-A34496514922}"/>
+                <a16:creationId xmlns:a16="http://schemas.microsoft.com/office/drawing/2014/main" id="{964C3662-372F-5C95-818C-E0717D51F316}"/>
               </a:ext>
             </a:extLst>
           </p:cNvPr>
@@ -434,7 +434,7 @@
           <p:cNvPr id="4" name="日期占位符 3">
             <a:extLst>
               <a:ext uri="{FF2B5EF4-FFF2-40B4-BE49-F238E27FC236}">
-                <a16:creationId xmlns:a16="http://schemas.microsoft.com/office/drawing/2014/main" id="{C2E214E7-AF18-7953-2087-B4C815431765}"/>
+                <a16:creationId xmlns:a16="http://schemas.microsoft.com/office/drawing/2014/main" id="{2EEBBE68-948E-C654-835B-2234344B941E}"/>
               </a:ext>
             </a:extLst>
           </p:cNvPr>
@@ -450,7 +450,7 @@
           <a:bodyPr/>
           <a:lstStyle/>
           <a:p>
-            <a:fld id="{286B39CF-0107-4A2D-A0F3-A1CC8567BE74}" type="datetimeFigureOut">
+            <a:fld id="{D9072197-4B8D-4C02-B1C5-D73D0A377B8C}" type="datetimeFigureOut">
               <a:rPr lang="zh-CN" altLang="en-US" smtClean="0"/>
               <a:t>2024/3/10</a:t>
             </a:fld>
@@ -463,7 +463,7 @@
           <p:cNvPr id="5" name="页脚占位符 4">
             <a:extLst>
               <a:ext uri="{FF2B5EF4-FFF2-40B4-BE49-F238E27FC236}">
-                <a16:creationId xmlns:a16="http://schemas.microsoft.com/office/drawing/2014/main" id="{6A399C9E-E8C9-4F59-9F19-9430EF49A839}"/>
+                <a16:creationId xmlns:a16="http://schemas.microsoft.com/office/drawing/2014/main" id="{A8C2EB7A-5D0C-6930-CD45-C6FED0D14996}"/>
               </a:ext>
             </a:extLst>
           </p:cNvPr>
@@ -488,7 +488,7 @@
           <p:cNvPr id="6" name="灯片编号占位符 5">
             <a:extLst>
               <a:ext uri="{FF2B5EF4-FFF2-40B4-BE49-F238E27FC236}">
-                <a16:creationId xmlns:a16="http://schemas.microsoft.com/office/drawing/2014/main" id="{FB91E250-BA1D-F061-7074-F51694B0F207}"/>
+                <a16:creationId xmlns:a16="http://schemas.microsoft.com/office/drawing/2014/main" id="{258B71B7-1E07-EABF-5910-1E1018C91502}"/>
               </a:ext>
             </a:extLst>
           </p:cNvPr>
@@ -504,7 +504,7 @@
           <a:bodyPr/>
           <a:lstStyle/>
           <a:p>
-            <a:fld id="{83B70F3A-75BF-4E83-876B-ED9F3EFEF57B}" type="slidenum">
+            <a:fld id="{330604BF-AAD4-480D-9DF7-BD189B01136D}" type="slidenum">
               <a:rPr lang="zh-CN" altLang="en-US" smtClean="0"/>
               <a:t>‹#›</a:t>
             </a:fld>
@@ -515,7 +515,7 @@
     </p:spTree>
     <p:extLst>
       <p:ext uri="{BB962C8B-B14F-4D97-AF65-F5344CB8AC3E}">
-        <p14:creationId xmlns:p14="http://schemas.microsoft.com/office/powerpoint/2010/main" val="915887297"/>
+        <p14:creationId xmlns:p14="http://schemas.microsoft.com/office/powerpoint/2010/main" val="1367509793"/>
       </p:ext>
     </p:extLst>
   </p:cSld>
@@ -547,7 +547,7 @@
           <p:cNvPr id="2" name="竖排标题 1">
             <a:extLst>
               <a:ext uri="{FF2B5EF4-FFF2-40B4-BE49-F238E27FC236}">
-                <a16:creationId xmlns:a16="http://schemas.microsoft.com/office/drawing/2014/main" id="{1E441196-4C15-4468-5BB5-9917D9619805}"/>
+                <a16:creationId xmlns:a16="http://schemas.microsoft.com/office/drawing/2014/main" id="{D172E178-B630-2879-BBC3-A96576FF1887}"/>
               </a:ext>
             </a:extLst>
           </p:cNvPr>
@@ -580,7 +580,7 @@
           <p:cNvPr id="3" name="竖排文字占位符 2">
             <a:extLst>
               <a:ext uri="{FF2B5EF4-FFF2-40B4-BE49-F238E27FC236}">
-                <a16:creationId xmlns:a16="http://schemas.microsoft.com/office/drawing/2014/main" id="{9AC328AC-1215-4648-6A33-C8F4FD0D7DEC}"/>
+                <a16:creationId xmlns:a16="http://schemas.microsoft.com/office/drawing/2014/main" id="{3DD654EE-76A1-581B-90BE-DBC1BD60FEE9}"/>
               </a:ext>
             </a:extLst>
           </p:cNvPr>
@@ -642,7 +642,7 @@
           <p:cNvPr id="4" name="日期占位符 3">
             <a:extLst>
               <a:ext uri="{FF2B5EF4-FFF2-40B4-BE49-F238E27FC236}">
-                <a16:creationId xmlns:a16="http://schemas.microsoft.com/office/drawing/2014/main" id="{D86D609A-3DD3-3548-1A54-03C811C3A3E4}"/>
+                <a16:creationId xmlns:a16="http://schemas.microsoft.com/office/drawing/2014/main" id="{8F321F6D-BC32-D88C-618F-757E9F1623EA}"/>
               </a:ext>
             </a:extLst>
           </p:cNvPr>
@@ -658,7 +658,7 @@
           <a:bodyPr/>
           <a:lstStyle/>
           <a:p>
-            <a:fld id="{286B39CF-0107-4A2D-A0F3-A1CC8567BE74}" type="datetimeFigureOut">
+            <a:fld id="{D9072197-4B8D-4C02-B1C5-D73D0A377B8C}" type="datetimeFigureOut">
               <a:rPr lang="zh-CN" altLang="en-US" smtClean="0"/>
               <a:t>2024/3/10</a:t>
             </a:fld>
@@ -671,7 +671,7 @@
           <p:cNvPr id="5" name="页脚占位符 4">
             <a:extLst>
               <a:ext uri="{FF2B5EF4-FFF2-40B4-BE49-F238E27FC236}">
-                <a16:creationId xmlns:a16="http://schemas.microsoft.com/office/drawing/2014/main" id="{D53691F4-BD96-EBA9-6C43-FDCCC0ECC0C8}"/>
+                <a16:creationId xmlns:a16="http://schemas.microsoft.com/office/drawing/2014/main" id="{DDB8E4F2-3652-C083-28A5-76C8F30B069E}"/>
               </a:ext>
             </a:extLst>
           </p:cNvPr>
@@ -696,7 +696,7 @@
           <p:cNvPr id="6" name="灯片编号占位符 5">
             <a:extLst>
               <a:ext uri="{FF2B5EF4-FFF2-40B4-BE49-F238E27FC236}">
-                <a16:creationId xmlns:a16="http://schemas.microsoft.com/office/drawing/2014/main" id="{D57DFDA4-3F2E-0705-EBB4-57BBE92CBC80}"/>
+                <a16:creationId xmlns:a16="http://schemas.microsoft.com/office/drawing/2014/main" id="{0EC8E388-0312-538D-044C-581223A0904F}"/>
               </a:ext>
             </a:extLst>
           </p:cNvPr>
@@ -712,7 +712,7 @@
           <a:bodyPr/>
           <a:lstStyle/>
           <a:p>
-            <a:fld id="{83B70F3A-75BF-4E83-876B-ED9F3EFEF57B}" type="slidenum">
+            <a:fld id="{330604BF-AAD4-480D-9DF7-BD189B01136D}" type="slidenum">
               <a:rPr lang="zh-CN" altLang="en-US" smtClean="0"/>
               <a:t>‹#›</a:t>
             </a:fld>
@@ -723,7 +723,7 @@
     </p:spTree>
     <p:extLst>
       <p:ext uri="{BB962C8B-B14F-4D97-AF65-F5344CB8AC3E}">
-        <p14:creationId xmlns:p14="http://schemas.microsoft.com/office/powerpoint/2010/main" val="2077990796"/>
+        <p14:creationId xmlns:p14="http://schemas.microsoft.com/office/powerpoint/2010/main" val="2414692561"/>
       </p:ext>
     </p:extLst>
   </p:cSld>
@@ -755,7 +755,7 @@
           <p:cNvPr id="2" name="标题 1">
             <a:extLst>
               <a:ext uri="{FF2B5EF4-FFF2-40B4-BE49-F238E27FC236}">
-                <a16:creationId xmlns:a16="http://schemas.microsoft.com/office/drawing/2014/main" id="{03D0F6D7-E8F1-D40C-6A5D-01674C5D72E1}"/>
+                <a16:creationId xmlns:a16="http://schemas.microsoft.com/office/drawing/2014/main" id="{AB5608D3-1EB0-68AC-6819-3D3D8FC91566}"/>
               </a:ext>
             </a:extLst>
           </p:cNvPr>
@@ -783,7 +783,7 @@
           <p:cNvPr id="3" name="内容占位符 2">
             <a:extLst>
               <a:ext uri="{FF2B5EF4-FFF2-40B4-BE49-F238E27FC236}">
-                <a16:creationId xmlns:a16="http://schemas.microsoft.com/office/drawing/2014/main" id="{1B3EA39E-4ACC-1433-71BD-01E4BB38237A}"/>
+                <a16:creationId xmlns:a16="http://schemas.microsoft.com/office/drawing/2014/main" id="{98BCA3E1-6C6F-2441-563E-A0B88D7600D6}"/>
               </a:ext>
             </a:extLst>
           </p:cNvPr>
@@ -840,7 +840,7 @@
           <p:cNvPr id="4" name="日期占位符 3">
             <a:extLst>
               <a:ext uri="{FF2B5EF4-FFF2-40B4-BE49-F238E27FC236}">
-                <a16:creationId xmlns:a16="http://schemas.microsoft.com/office/drawing/2014/main" id="{1B9E8414-8D5F-7BB7-4F45-8F922A373644}"/>
+                <a16:creationId xmlns:a16="http://schemas.microsoft.com/office/drawing/2014/main" id="{4BDAEC00-B9A4-25B8-FD57-51B261AC3B6A}"/>
               </a:ext>
             </a:extLst>
           </p:cNvPr>
@@ -856,7 +856,7 @@
           <a:bodyPr/>
           <a:lstStyle/>
           <a:p>
-            <a:fld id="{286B39CF-0107-4A2D-A0F3-A1CC8567BE74}" type="datetimeFigureOut">
+            <a:fld id="{D9072197-4B8D-4C02-B1C5-D73D0A377B8C}" type="datetimeFigureOut">
               <a:rPr lang="zh-CN" altLang="en-US" smtClean="0"/>
               <a:t>2024/3/10</a:t>
             </a:fld>
@@ -869,7 +869,7 @@
           <p:cNvPr id="5" name="页脚占位符 4">
             <a:extLst>
               <a:ext uri="{FF2B5EF4-FFF2-40B4-BE49-F238E27FC236}">
-                <a16:creationId xmlns:a16="http://schemas.microsoft.com/office/drawing/2014/main" id="{6B10A9D4-2DE0-2FDE-C98D-54BE0E657D29}"/>
+                <a16:creationId xmlns:a16="http://schemas.microsoft.com/office/drawing/2014/main" id="{7D17C8AF-CF61-50EB-E214-FBF397030302}"/>
               </a:ext>
             </a:extLst>
           </p:cNvPr>
@@ -894,7 +894,7 @@
           <p:cNvPr id="6" name="灯片编号占位符 5">
             <a:extLst>
               <a:ext uri="{FF2B5EF4-FFF2-40B4-BE49-F238E27FC236}">
-                <a16:creationId xmlns:a16="http://schemas.microsoft.com/office/drawing/2014/main" id="{4B9215C9-B516-4949-24AB-1F751CC51A85}"/>
+                <a16:creationId xmlns:a16="http://schemas.microsoft.com/office/drawing/2014/main" id="{389E66F5-8BF1-5FB0-B074-5BFBC0D5BD86}"/>
               </a:ext>
             </a:extLst>
           </p:cNvPr>
@@ -910,7 +910,7 @@
           <a:bodyPr/>
           <a:lstStyle/>
           <a:p>
-            <a:fld id="{83B70F3A-75BF-4E83-876B-ED9F3EFEF57B}" type="slidenum">
+            <a:fld id="{330604BF-AAD4-480D-9DF7-BD189B01136D}" type="slidenum">
               <a:rPr lang="zh-CN" altLang="en-US" smtClean="0"/>
               <a:t>‹#›</a:t>
             </a:fld>
@@ -921,7 +921,7 @@
     </p:spTree>
     <p:extLst>
       <p:ext uri="{BB962C8B-B14F-4D97-AF65-F5344CB8AC3E}">
-        <p14:creationId xmlns:p14="http://schemas.microsoft.com/office/powerpoint/2010/main" val="54114748"/>
+        <p14:creationId xmlns:p14="http://schemas.microsoft.com/office/powerpoint/2010/main" val="4242535820"/>
       </p:ext>
     </p:extLst>
   </p:cSld>
@@ -953,7 +953,7 @@
           <p:cNvPr id="2" name="标题 1">
             <a:extLst>
               <a:ext uri="{FF2B5EF4-FFF2-40B4-BE49-F238E27FC236}">
-                <a16:creationId xmlns:a16="http://schemas.microsoft.com/office/drawing/2014/main" id="{A0D828CA-CDE3-B7C1-970D-AAD50E976BBC}"/>
+                <a16:creationId xmlns:a16="http://schemas.microsoft.com/office/drawing/2014/main" id="{D6A60F68-6597-C40A-E65E-E8BDD4EDCE58}"/>
               </a:ext>
             </a:extLst>
           </p:cNvPr>
@@ -990,7 +990,7 @@
           <p:cNvPr id="3" name="文本占位符 2">
             <a:extLst>
               <a:ext uri="{FF2B5EF4-FFF2-40B4-BE49-F238E27FC236}">
-                <a16:creationId xmlns:a16="http://schemas.microsoft.com/office/drawing/2014/main" id="{CE37DD6D-1981-4A55-4DC3-5BDEBC03BF6A}"/>
+                <a16:creationId xmlns:a16="http://schemas.microsoft.com/office/drawing/2014/main" id="{42A9A276-0983-CDAA-73CB-033A5BE41D67}"/>
               </a:ext>
             </a:extLst>
           </p:cNvPr>
@@ -1115,7 +1115,7 @@
           <p:cNvPr id="4" name="日期占位符 3">
             <a:extLst>
               <a:ext uri="{FF2B5EF4-FFF2-40B4-BE49-F238E27FC236}">
-                <a16:creationId xmlns:a16="http://schemas.microsoft.com/office/drawing/2014/main" id="{4247AE78-1D60-0096-0BBC-595943B95FF5}"/>
+                <a16:creationId xmlns:a16="http://schemas.microsoft.com/office/drawing/2014/main" id="{980C5B6A-FF1B-A92D-C5E9-B79CEE24E1DC}"/>
               </a:ext>
             </a:extLst>
           </p:cNvPr>
@@ -1131,7 +1131,7 @@
           <a:bodyPr/>
           <a:lstStyle/>
           <a:p>
-            <a:fld id="{286B39CF-0107-4A2D-A0F3-A1CC8567BE74}" type="datetimeFigureOut">
+            <a:fld id="{D9072197-4B8D-4C02-B1C5-D73D0A377B8C}" type="datetimeFigureOut">
               <a:rPr lang="zh-CN" altLang="en-US" smtClean="0"/>
               <a:t>2024/3/10</a:t>
             </a:fld>
@@ -1144,7 +1144,7 @@
           <p:cNvPr id="5" name="页脚占位符 4">
             <a:extLst>
               <a:ext uri="{FF2B5EF4-FFF2-40B4-BE49-F238E27FC236}">
-                <a16:creationId xmlns:a16="http://schemas.microsoft.com/office/drawing/2014/main" id="{87D8B028-6D81-30F3-B396-5DE7A9870780}"/>
+                <a16:creationId xmlns:a16="http://schemas.microsoft.com/office/drawing/2014/main" id="{F99B985A-7E95-7B16-E614-9AF093D34871}"/>
               </a:ext>
             </a:extLst>
           </p:cNvPr>
@@ -1169,7 +1169,7 @@
           <p:cNvPr id="6" name="灯片编号占位符 5">
             <a:extLst>
               <a:ext uri="{FF2B5EF4-FFF2-40B4-BE49-F238E27FC236}">
-                <a16:creationId xmlns:a16="http://schemas.microsoft.com/office/drawing/2014/main" id="{6C5EBA89-56D8-F610-1701-94D63FF050D9}"/>
+                <a16:creationId xmlns:a16="http://schemas.microsoft.com/office/drawing/2014/main" id="{B4997F82-77B7-A109-D2C8-C79E87683018}"/>
               </a:ext>
             </a:extLst>
           </p:cNvPr>
@@ -1185,7 +1185,7 @@
           <a:bodyPr/>
           <a:lstStyle/>
           <a:p>
-            <a:fld id="{83B70F3A-75BF-4E83-876B-ED9F3EFEF57B}" type="slidenum">
+            <a:fld id="{330604BF-AAD4-480D-9DF7-BD189B01136D}" type="slidenum">
               <a:rPr lang="zh-CN" altLang="en-US" smtClean="0"/>
               <a:t>‹#›</a:t>
             </a:fld>
@@ -1196,7 +1196,7 @@
     </p:spTree>
     <p:extLst>
       <p:ext uri="{BB962C8B-B14F-4D97-AF65-F5344CB8AC3E}">
-        <p14:creationId xmlns:p14="http://schemas.microsoft.com/office/powerpoint/2010/main" val="960896336"/>
+        <p14:creationId xmlns:p14="http://schemas.microsoft.com/office/powerpoint/2010/main" val="861379072"/>
       </p:ext>
     </p:extLst>
   </p:cSld>
@@ -1228,7 +1228,7 @@
           <p:cNvPr id="2" name="标题 1">
             <a:extLst>
               <a:ext uri="{FF2B5EF4-FFF2-40B4-BE49-F238E27FC236}">
-                <a16:creationId xmlns:a16="http://schemas.microsoft.com/office/drawing/2014/main" id="{4C293037-0327-BED4-9A56-998F00E34F00}"/>
+                <a16:creationId xmlns:a16="http://schemas.microsoft.com/office/drawing/2014/main" id="{366A0381-B66C-6624-6010-A29A893BBA07}"/>
               </a:ext>
             </a:extLst>
           </p:cNvPr>
@@ -1256,7 +1256,7 @@
           <p:cNvPr id="3" name="内容占位符 2">
             <a:extLst>
               <a:ext uri="{FF2B5EF4-FFF2-40B4-BE49-F238E27FC236}">
-                <a16:creationId xmlns:a16="http://schemas.microsoft.com/office/drawing/2014/main" id="{99DF34B9-0F5D-B49C-4B00-5897B2ACF69C}"/>
+                <a16:creationId xmlns:a16="http://schemas.microsoft.com/office/drawing/2014/main" id="{032D2909-963C-0354-12AD-C1672D484B5F}"/>
               </a:ext>
             </a:extLst>
           </p:cNvPr>
@@ -1318,7 +1318,7 @@
           <p:cNvPr id="4" name="内容占位符 3">
             <a:extLst>
               <a:ext uri="{FF2B5EF4-FFF2-40B4-BE49-F238E27FC236}">
-                <a16:creationId xmlns:a16="http://schemas.microsoft.com/office/drawing/2014/main" id="{DAF656E3-99E4-3026-87EF-E4FDD0982802}"/>
+                <a16:creationId xmlns:a16="http://schemas.microsoft.com/office/drawing/2014/main" id="{1A267FBE-3194-0F1C-3A83-95660315CDA4}"/>
               </a:ext>
             </a:extLst>
           </p:cNvPr>
@@ -1380,7 +1380,7 @@
           <p:cNvPr id="5" name="日期占位符 4">
             <a:extLst>
               <a:ext uri="{FF2B5EF4-FFF2-40B4-BE49-F238E27FC236}">
-                <a16:creationId xmlns:a16="http://schemas.microsoft.com/office/drawing/2014/main" id="{7F0BA879-0B95-DB94-C258-2F91CE680792}"/>
+                <a16:creationId xmlns:a16="http://schemas.microsoft.com/office/drawing/2014/main" id="{1953EF05-2AE6-12AA-8141-41A1F71E2B8D}"/>
               </a:ext>
             </a:extLst>
           </p:cNvPr>
@@ -1396,7 +1396,7 @@
           <a:bodyPr/>
           <a:lstStyle/>
           <a:p>
-            <a:fld id="{286B39CF-0107-4A2D-A0F3-A1CC8567BE74}" type="datetimeFigureOut">
+            <a:fld id="{D9072197-4B8D-4C02-B1C5-D73D0A377B8C}" type="datetimeFigureOut">
               <a:rPr lang="zh-CN" altLang="en-US" smtClean="0"/>
               <a:t>2024/3/10</a:t>
             </a:fld>
@@ -1409,7 +1409,7 @@
           <p:cNvPr id="6" name="页脚占位符 5">
             <a:extLst>
               <a:ext uri="{FF2B5EF4-FFF2-40B4-BE49-F238E27FC236}">
-                <a16:creationId xmlns:a16="http://schemas.microsoft.com/office/drawing/2014/main" id="{0C35F6FC-7644-8DD7-BE22-105DCDFDDC1E}"/>
+                <a16:creationId xmlns:a16="http://schemas.microsoft.com/office/drawing/2014/main" id="{7AB4D7CB-93D4-BACB-FCB1-CBAC3FAA0D69}"/>
               </a:ext>
             </a:extLst>
           </p:cNvPr>
@@ -1434,7 +1434,7 @@
           <p:cNvPr id="7" name="灯片编号占位符 6">
             <a:extLst>
               <a:ext uri="{FF2B5EF4-FFF2-40B4-BE49-F238E27FC236}">
-                <a16:creationId xmlns:a16="http://schemas.microsoft.com/office/drawing/2014/main" id="{238BAEA3-3F8A-BB14-12DC-9F26857C75B7}"/>
+                <a16:creationId xmlns:a16="http://schemas.microsoft.com/office/drawing/2014/main" id="{74A147BA-C0C8-A919-6ED2-197E0479DC8E}"/>
               </a:ext>
             </a:extLst>
           </p:cNvPr>
@@ -1450,7 +1450,7 @@
           <a:bodyPr/>
           <a:lstStyle/>
           <a:p>
-            <a:fld id="{83B70F3A-75BF-4E83-876B-ED9F3EFEF57B}" type="slidenum">
+            <a:fld id="{330604BF-AAD4-480D-9DF7-BD189B01136D}" type="slidenum">
               <a:rPr lang="zh-CN" altLang="en-US" smtClean="0"/>
               <a:t>‹#›</a:t>
             </a:fld>
@@ -1461,7 +1461,7 @@
     </p:spTree>
     <p:extLst>
       <p:ext uri="{BB962C8B-B14F-4D97-AF65-F5344CB8AC3E}">
-        <p14:creationId xmlns:p14="http://schemas.microsoft.com/office/powerpoint/2010/main" val="1105855979"/>
+        <p14:creationId xmlns:p14="http://schemas.microsoft.com/office/powerpoint/2010/main" val="2542632329"/>
       </p:ext>
     </p:extLst>
   </p:cSld>
@@ -1493,7 +1493,7 @@
           <p:cNvPr id="2" name="标题 1">
             <a:extLst>
               <a:ext uri="{FF2B5EF4-FFF2-40B4-BE49-F238E27FC236}">
-                <a16:creationId xmlns:a16="http://schemas.microsoft.com/office/drawing/2014/main" id="{3F2B0EEB-0347-0F6A-9A7B-97BD0B8DD1C6}"/>
+                <a16:creationId xmlns:a16="http://schemas.microsoft.com/office/drawing/2014/main" id="{B9095EB4-155E-ABAF-5150-04F25CBFAD3D}"/>
               </a:ext>
             </a:extLst>
           </p:cNvPr>
@@ -1526,7 +1526,7 @@
           <p:cNvPr id="3" name="文本占位符 2">
             <a:extLst>
               <a:ext uri="{FF2B5EF4-FFF2-40B4-BE49-F238E27FC236}">
-                <a16:creationId xmlns:a16="http://schemas.microsoft.com/office/drawing/2014/main" id="{DEC17CAC-406C-2A70-EE12-451750B1F749}"/>
+                <a16:creationId xmlns:a16="http://schemas.microsoft.com/office/drawing/2014/main" id="{431358C9-BF9C-E44B-955D-CA5653288ACE}"/>
               </a:ext>
             </a:extLst>
           </p:cNvPr>
@@ -1597,7 +1597,7 @@
           <p:cNvPr id="4" name="内容占位符 3">
             <a:extLst>
               <a:ext uri="{FF2B5EF4-FFF2-40B4-BE49-F238E27FC236}">
-                <a16:creationId xmlns:a16="http://schemas.microsoft.com/office/drawing/2014/main" id="{8A274331-1ED8-1C3B-3289-76A8FFC016FE}"/>
+                <a16:creationId xmlns:a16="http://schemas.microsoft.com/office/drawing/2014/main" id="{6B24F9F7-DCF0-C299-FEB2-0D8333839ADE}"/>
               </a:ext>
             </a:extLst>
           </p:cNvPr>
@@ -1659,7 +1659,7 @@
           <p:cNvPr id="5" name="文本占位符 4">
             <a:extLst>
               <a:ext uri="{FF2B5EF4-FFF2-40B4-BE49-F238E27FC236}">
-                <a16:creationId xmlns:a16="http://schemas.microsoft.com/office/drawing/2014/main" id="{644B26CC-9CCD-8DDF-1827-CE8E9415123D}"/>
+                <a16:creationId xmlns:a16="http://schemas.microsoft.com/office/drawing/2014/main" id="{547A4003-13C7-74EC-2176-FFF1FEF1178B}"/>
               </a:ext>
             </a:extLst>
           </p:cNvPr>
@@ -1730,7 +1730,7 @@
           <p:cNvPr id="6" name="内容占位符 5">
             <a:extLst>
               <a:ext uri="{FF2B5EF4-FFF2-40B4-BE49-F238E27FC236}">
-                <a16:creationId xmlns:a16="http://schemas.microsoft.com/office/drawing/2014/main" id="{96D635C6-91F8-8813-5F9F-3F23B8ECAD7A}"/>
+                <a16:creationId xmlns:a16="http://schemas.microsoft.com/office/drawing/2014/main" id="{CD54882E-2CBA-1B95-F04B-323A7788D7A4}"/>
               </a:ext>
             </a:extLst>
           </p:cNvPr>
@@ -1792,7 +1792,7 @@
           <p:cNvPr id="7" name="日期占位符 6">
             <a:extLst>
               <a:ext uri="{FF2B5EF4-FFF2-40B4-BE49-F238E27FC236}">
-                <a16:creationId xmlns:a16="http://schemas.microsoft.com/office/drawing/2014/main" id="{39AA1902-718F-E42C-54B7-36B0A1BDB3D1}"/>
+                <a16:creationId xmlns:a16="http://schemas.microsoft.com/office/drawing/2014/main" id="{E724D2BD-A945-F678-5B79-AB8E1B9F1E42}"/>
               </a:ext>
             </a:extLst>
           </p:cNvPr>
@@ -1808,7 +1808,7 @@
           <a:bodyPr/>
           <a:lstStyle/>
           <a:p>
-            <a:fld id="{286B39CF-0107-4A2D-A0F3-A1CC8567BE74}" type="datetimeFigureOut">
+            <a:fld id="{D9072197-4B8D-4C02-B1C5-D73D0A377B8C}" type="datetimeFigureOut">
               <a:rPr lang="zh-CN" altLang="en-US" smtClean="0"/>
               <a:t>2024/3/10</a:t>
             </a:fld>
@@ -1821,7 +1821,7 @@
           <p:cNvPr id="8" name="页脚占位符 7">
             <a:extLst>
               <a:ext uri="{FF2B5EF4-FFF2-40B4-BE49-F238E27FC236}">
-                <a16:creationId xmlns:a16="http://schemas.microsoft.com/office/drawing/2014/main" id="{2FDE32BF-B8A9-5FFE-92DD-59C41D8774A2}"/>
+                <a16:creationId xmlns:a16="http://schemas.microsoft.com/office/drawing/2014/main" id="{D3CE6753-6805-460A-48E5-6B7009817F3B}"/>
               </a:ext>
             </a:extLst>
           </p:cNvPr>
@@ -1846,7 +1846,7 @@
           <p:cNvPr id="9" name="灯片编号占位符 8">
             <a:extLst>
               <a:ext uri="{FF2B5EF4-FFF2-40B4-BE49-F238E27FC236}">
-                <a16:creationId xmlns:a16="http://schemas.microsoft.com/office/drawing/2014/main" id="{615B4C71-5FD4-DB0C-8021-7FC8029180A9}"/>
+                <a16:creationId xmlns:a16="http://schemas.microsoft.com/office/drawing/2014/main" id="{BE4425DC-C6DB-8A37-399F-3DE2EFC392A6}"/>
               </a:ext>
             </a:extLst>
           </p:cNvPr>
@@ -1862,7 +1862,7 @@
           <a:bodyPr/>
           <a:lstStyle/>
           <a:p>
-            <a:fld id="{83B70F3A-75BF-4E83-876B-ED9F3EFEF57B}" type="slidenum">
+            <a:fld id="{330604BF-AAD4-480D-9DF7-BD189B01136D}" type="slidenum">
               <a:rPr lang="zh-CN" altLang="en-US" smtClean="0"/>
               <a:t>‹#›</a:t>
             </a:fld>
@@ -1873,7 +1873,7 @@
     </p:spTree>
     <p:extLst>
       <p:ext uri="{BB962C8B-B14F-4D97-AF65-F5344CB8AC3E}">
-        <p14:creationId xmlns:p14="http://schemas.microsoft.com/office/powerpoint/2010/main" val="3389413095"/>
+        <p14:creationId xmlns:p14="http://schemas.microsoft.com/office/powerpoint/2010/main" val="3228152757"/>
       </p:ext>
     </p:extLst>
   </p:cSld>
@@ -1905,7 +1905,7 @@
           <p:cNvPr id="2" name="标题 1">
             <a:extLst>
               <a:ext uri="{FF2B5EF4-FFF2-40B4-BE49-F238E27FC236}">
-                <a16:creationId xmlns:a16="http://schemas.microsoft.com/office/drawing/2014/main" id="{ACE8A336-A0E6-FE16-88B4-7F3899710816}"/>
+                <a16:creationId xmlns:a16="http://schemas.microsoft.com/office/drawing/2014/main" id="{D825BD64-B957-E784-D0E3-67D5BAEC72C6}"/>
               </a:ext>
             </a:extLst>
           </p:cNvPr>
@@ -1933,7 +1933,7 @@
           <p:cNvPr id="3" name="日期占位符 2">
             <a:extLst>
               <a:ext uri="{FF2B5EF4-FFF2-40B4-BE49-F238E27FC236}">
-                <a16:creationId xmlns:a16="http://schemas.microsoft.com/office/drawing/2014/main" id="{7F886DDF-E79B-645C-07CD-8B07309FFBE4}"/>
+                <a16:creationId xmlns:a16="http://schemas.microsoft.com/office/drawing/2014/main" id="{325F0FF0-DE48-D773-21DB-5563B9C538BD}"/>
               </a:ext>
             </a:extLst>
           </p:cNvPr>
@@ -1949,7 +1949,7 @@
           <a:bodyPr/>
           <a:lstStyle/>
           <a:p>
-            <a:fld id="{286B39CF-0107-4A2D-A0F3-A1CC8567BE74}" type="datetimeFigureOut">
+            <a:fld id="{D9072197-4B8D-4C02-B1C5-D73D0A377B8C}" type="datetimeFigureOut">
               <a:rPr lang="zh-CN" altLang="en-US" smtClean="0"/>
               <a:t>2024/3/10</a:t>
             </a:fld>
@@ -1962,7 +1962,7 @@
           <p:cNvPr id="4" name="页脚占位符 3">
             <a:extLst>
               <a:ext uri="{FF2B5EF4-FFF2-40B4-BE49-F238E27FC236}">
-                <a16:creationId xmlns:a16="http://schemas.microsoft.com/office/drawing/2014/main" id="{FF2F81D3-7D69-5C34-5DF1-059F2C75D74F}"/>
+                <a16:creationId xmlns:a16="http://schemas.microsoft.com/office/drawing/2014/main" id="{A322DBA7-72A8-E1D1-D1D4-BAEFCE6597FC}"/>
               </a:ext>
             </a:extLst>
           </p:cNvPr>
@@ -1987,7 +1987,7 @@
           <p:cNvPr id="5" name="灯片编号占位符 4">
             <a:extLst>
               <a:ext uri="{FF2B5EF4-FFF2-40B4-BE49-F238E27FC236}">
-                <a16:creationId xmlns:a16="http://schemas.microsoft.com/office/drawing/2014/main" id="{A2B0E499-C4A5-FD51-86FE-3D66539C46AF}"/>
+                <a16:creationId xmlns:a16="http://schemas.microsoft.com/office/drawing/2014/main" id="{DB79B621-1DBD-4883-66AD-F39E8B0B6A6E}"/>
               </a:ext>
             </a:extLst>
           </p:cNvPr>
@@ -2003,7 +2003,7 @@
           <a:bodyPr/>
           <a:lstStyle/>
           <a:p>
-            <a:fld id="{83B70F3A-75BF-4E83-876B-ED9F3EFEF57B}" type="slidenum">
+            <a:fld id="{330604BF-AAD4-480D-9DF7-BD189B01136D}" type="slidenum">
               <a:rPr lang="zh-CN" altLang="en-US" smtClean="0"/>
               <a:t>‹#›</a:t>
             </a:fld>
@@ -2014,7 +2014,7 @@
     </p:spTree>
     <p:extLst>
       <p:ext uri="{BB962C8B-B14F-4D97-AF65-F5344CB8AC3E}">
-        <p14:creationId xmlns:p14="http://schemas.microsoft.com/office/powerpoint/2010/main" val="1643816522"/>
+        <p14:creationId xmlns:p14="http://schemas.microsoft.com/office/powerpoint/2010/main" val="1867673973"/>
       </p:ext>
     </p:extLst>
   </p:cSld>
@@ -2046,7 +2046,7 @@
           <p:cNvPr id="2" name="日期占位符 1">
             <a:extLst>
               <a:ext uri="{FF2B5EF4-FFF2-40B4-BE49-F238E27FC236}">
-                <a16:creationId xmlns:a16="http://schemas.microsoft.com/office/drawing/2014/main" id="{7F52B9B1-95B3-AE93-0CCD-D7B3B255940D}"/>
+                <a16:creationId xmlns:a16="http://schemas.microsoft.com/office/drawing/2014/main" id="{280B22EC-E508-6F46-F35A-AD9909E2269E}"/>
               </a:ext>
             </a:extLst>
           </p:cNvPr>
@@ -2062,7 +2062,7 @@
           <a:bodyPr/>
           <a:lstStyle/>
           <a:p>
-            <a:fld id="{286B39CF-0107-4A2D-A0F3-A1CC8567BE74}" type="datetimeFigureOut">
+            <a:fld id="{D9072197-4B8D-4C02-B1C5-D73D0A377B8C}" type="datetimeFigureOut">
               <a:rPr lang="zh-CN" altLang="en-US" smtClean="0"/>
               <a:t>2024/3/10</a:t>
             </a:fld>
@@ -2075,7 +2075,7 @@
           <p:cNvPr id="3" name="页脚占位符 2">
             <a:extLst>
               <a:ext uri="{FF2B5EF4-FFF2-40B4-BE49-F238E27FC236}">
-                <a16:creationId xmlns:a16="http://schemas.microsoft.com/office/drawing/2014/main" id="{291E7EDE-CBF3-DDBF-3AB2-35FDC397FC5B}"/>
+                <a16:creationId xmlns:a16="http://schemas.microsoft.com/office/drawing/2014/main" id="{BEF81BBD-6BB8-E04D-0B62-8ABC92F2A142}"/>
               </a:ext>
             </a:extLst>
           </p:cNvPr>
@@ -2100,7 +2100,7 @@
           <p:cNvPr id="4" name="灯片编号占位符 3">
             <a:extLst>
               <a:ext uri="{FF2B5EF4-FFF2-40B4-BE49-F238E27FC236}">
-                <a16:creationId xmlns:a16="http://schemas.microsoft.com/office/drawing/2014/main" id="{C65E230C-D541-970A-204C-9BB9CB9234F1}"/>
+                <a16:creationId xmlns:a16="http://schemas.microsoft.com/office/drawing/2014/main" id="{F232F0CC-5286-BE2E-0FCE-771EAC7BEEB2}"/>
               </a:ext>
             </a:extLst>
           </p:cNvPr>
@@ -2116,7 +2116,7 @@
           <a:bodyPr/>
           <a:lstStyle/>
           <a:p>
-            <a:fld id="{83B70F3A-75BF-4E83-876B-ED9F3EFEF57B}" type="slidenum">
+            <a:fld id="{330604BF-AAD4-480D-9DF7-BD189B01136D}" type="slidenum">
               <a:rPr lang="zh-CN" altLang="en-US" smtClean="0"/>
               <a:t>‹#›</a:t>
             </a:fld>
@@ -2127,7 +2127,7 @@
     </p:spTree>
     <p:extLst>
       <p:ext uri="{BB962C8B-B14F-4D97-AF65-F5344CB8AC3E}">
-        <p14:creationId xmlns:p14="http://schemas.microsoft.com/office/powerpoint/2010/main" val="3362021194"/>
+        <p14:creationId xmlns:p14="http://schemas.microsoft.com/office/powerpoint/2010/main" val="2192167689"/>
       </p:ext>
     </p:extLst>
   </p:cSld>
@@ -2159,7 +2159,7 @@
           <p:cNvPr id="2" name="标题 1">
             <a:extLst>
               <a:ext uri="{FF2B5EF4-FFF2-40B4-BE49-F238E27FC236}">
-                <a16:creationId xmlns:a16="http://schemas.microsoft.com/office/drawing/2014/main" id="{DC95D392-5377-D934-6CB9-AEF4D3207E07}"/>
+                <a16:creationId xmlns:a16="http://schemas.microsoft.com/office/drawing/2014/main" id="{41C8F3C9-8BFB-FA4F-E54C-D3B4CFD4E22E}"/>
               </a:ext>
             </a:extLst>
           </p:cNvPr>
@@ -2196,7 +2196,7 @@
           <p:cNvPr id="3" name="内容占位符 2">
             <a:extLst>
               <a:ext uri="{FF2B5EF4-FFF2-40B4-BE49-F238E27FC236}">
-                <a16:creationId xmlns:a16="http://schemas.microsoft.com/office/drawing/2014/main" id="{17C02F10-2A40-6585-F555-03449AB7D165}"/>
+                <a16:creationId xmlns:a16="http://schemas.microsoft.com/office/drawing/2014/main" id="{58BB5906-3071-3D61-12B7-FC04D3C4D117}"/>
               </a:ext>
             </a:extLst>
           </p:cNvPr>
@@ -2286,7 +2286,7 @@
           <p:cNvPr id="4" name="文本占位符 3">
             <a:extLst>
               <a:ext uri="{FF2B5EF4-FFF2-40B4-BE49-F238E27FC236}">
-                <a16:creationId xmlns:a16="http://schemas.microsoft.com/office/drawing/2014/main" id="{65FC8177-5398-8905-D016-F3190BC126D7}"/>
+                <a16:creationId xmlns:a16="http://schemas.microsoft.com/office/drawing/2014/main" id="{20F29EAE-3B4E-2E91-1AA5-8638BF192329}"/>
               </a:ext>
             </a:extLst>
           </p:cNvPr>
@@ -2357,7 +2357,7 @@
           <p:cNvPr id="5" name="日期占位符 4">
             <a:extLst>
               <a:ext uri="{FF2B5EF4-FFF2-40B4-BE49-F238E27FC236}">
-                <a16:creationId xmlns:a16="http://schemas.microsoft.com/office/drawing/2014/main" id="{1B5EA236-8A3A-1499-7A4E-9047B34E258C}"/>
+                <a16:creationId xmlns:a16="http://schemas.microsoft.com/office/drawing/2014/main" id="{FA0F2596-2529-253A-7AF4-E55F53742D08}"/>
               </a:ext>
             </a:extLst>
           </p:cNvPr>
@@ -2373,7 +2373,7 @@
           <a:bodyPr/>
           <a:lstStyle/>
           <a:p>
-            <a:fld id="{286B39CF-0107-4A2D-A0F3-A1CC8567BE74}" type="datetimeFigureOut">
+            <a:fld id="{D9072197-4B8D-4C02-B1C5-D73D0A377B8C}" type="datetimeFigureOut">
               <a:rPr lang="zh-CN" altLang="en-US" smtClean="0"/>
               <a:t>2024/3/10</a:t>
             </a:fld>
@@ -2386,7 +2386,7 @@
           <p:cNvPr id="6" name="页脚占位符 5">
             <a:extLst>
               <a:ext uri="{FF2B5EF4-FFF2-40B4-BE49-F238E27FC236}">
-                <a16:creationId xmlns:a16="http://schemas.microsoft.com/office/drawing/2014/main" id="{766D85ED-A74C-C021-E716-E018F05D28CB}"/>
+                <a16:creationId xmlns:a16="http://schemas.microsoft.com/office/drawing/2014/main" id="{6240B470-08BD-FCCB-D921-FF36E12011F8}"/>
               </a:ext>
             </a:extLst>
           </p:cNvPr>
@@ -2411,7 +2411,7 @@
           <p:cNvPr id="7" name="灯片编号占位符 6">
             <a:extLst>
               <a:ext uri="{FF2B5EF4-FFF2-40B4-BE49-F238E27FC236}">
-                <a16:creationId xmlns:a16="http://schemas.microsoft.com/office/drawing/2014/main" id="{F19E8CF4-A429-5E87-FA08-AB306C800D78}"/>
+                <a16:creationId xmlns:a16="http://schemas.microsoft.com/office/drawing/2014/main" id="{BBD4A4D6-48DF-AA57-73F0-9F21A8D27AF6}"/>
               </a:ext>
             </a:extLst>
           </p:cNvPr>
@@ -2427,7 +2427,7 @@
           <a:bodyPr/>
           <a:lstStyle/>
           <a:p>
-            <a:fld id="{83B70F3A-75BF-4E83-876B-ED9F3EFEF57B}" type="slidenum">
+            <a:fld id="{330604BF-AAD4-480D-9DF7-BD189B01136D}" type="slidenum">
               <a:rPr lang="zh-CN" altLang="en-US" smtClean="0"/>
               <a:t>‹#›</a:t>
             </a:fld>
@@ -2438,7 +2438,7 @@
     </p:spTree>
     <p:extLst>
       <p:ext uri="{BB962C8B-B14F-4D97-AF65-F5344CB8AC3E}">
-        <p14:creationId xmlns:p14="http://schemas.microsoft.com/office/powerpoint/2010/main" val="1602102605"/>
+        <p14:creationId xmlns:p14="http://schemas.microsoft.com/office/powerpoint/2010/main" val="953716245"/>
       </p:ext>
     </p:extLst>
   </p:cSld>
@@ -2470,7 +2470,7 @@
           <p:cNvPr id="2" name="标题 1">
             <a:extLst>
               <a:ext uri="{FF2B5EF4-FFF2-40B4-BE49-F238E27FC236}">
-                <a16:creationId xmlns:a16="http://schemas.microsoft.com/office/drawing/2014/main" id="{DE5D001A-7AC6-5E8C-3406-2BE2A569CDAF}"/>
+                <a16:creationId xmlns:a16="http://schemas.microsoft.com/office/drawing/2014/main" id="{91B67CF3-3B99-B597-4918-E82940B84BAE}"/>
               </a:ext>
             </a:extLst>
           </p:cNvPr>
@@ -2507,7 +2507,7 @@
           <p:cNvPr id="3" name="图片占位符 2">
             <a:extLst>
               <a:ext uri="{FF2B5EF4-FFF2-40B4-BE49-F238E27FC236}">
-                <a16:creationId xmlns:a16="http://schemas.microsoft.com/office/drawing/2014/main" id="{8BF59F08-DF46-A4A2-8873-477784A7D42B}"/>
+                <a16:creationId xmlns:a16="http://schemas.microsoft.com/office/drawing/2014/main" id="{E864327A-2960-9475-C88A-FED6142D7BD3}"/>
               </a:ext>
             </a:extLst>
           </p:cNvPr>
@@ -2574,7 +2574,7 @@
           <p:cNvPr id="4" name="文本占位符 3">
             <a:extLst>
               <a:ext uri="{FF2B5EF4-FFF2-40B4-BE49-F238E27FC236}">
-                <a16:creationId xmlns:a16="http://schemas.microsoft.com/office/drawing/2014/main" id="{2F8E4739-A65C-1396-D06D-96A850620C8A}"/>
+                <a16:creationId xmlns:a16="http://schemas.microsoft.com/office/drawing/2014/main" id="{47D2AA52-DDA9-CA2F-4607-7979249523A3}"/>
               </a:ext>
             </a:extLst>
           </p:cNvPr>
@@ -2645,7 +2645,7 @@
           <p:cNvPr id="5" name="日期占位符 4">
             <a:extLst>
               <a:ext uri="{FF2B5EF4-FFF2-40B4-BE49-F238E27FC236}">
-                <a16:creationId xmlns:a16="http://schemas.microsoft.com/office/drawing/2014/main" id="{BDB57EE8-013D-5724-92FA-0DE6D0024920}"/>
+                <a16:creationId xmlns:a16="http://schemas.microsoft.com/office/drawing/2014/main" id="{836337C8-6F6A-D46D-0711-D00677928E50}"/>
               </a:ext>
             </a:extLst>
           </p:cNvPr>
@@ -2661,7 +2661,7 @@
           <a:bodyPr/>
           <a:lstStyle/>
           <a:p>
-            <a:fld id="{286B39CF-0107-4A2D-A0F3-A1CC8567BE74}" type="datetimeFigureOut">
+            <a:fld id="{D9072197-4B8D-4C02-B1C5-D73D0A377B8C}" type="datetimeFigureOut">
               <a:rPr lang="zh-CN" altLang="en-US" smtClean="0"/>
               <a:t>2024/3/10</a:t>
             </a:fld>
@@ -2674,7 +2674,7 @@
           <p:cNvPr id="6" name="页脚占位符 5">
             <a:extLst>
               <a:ext uri="{FF2B5EF4-FFF2-40B4-BE49-F238E27FC236}">
-                <a16:creationId xmlns:a16="http://schemas.microsoft.com/office/drawing/2014/main" id="{57D1172B-8EA9-2364-B09B-6C18174205C6}"/>
+                <a16:creationId xmlns:a16="http://schemas.microsoft.com/office/drawing/2014/main" id="{A3A7EBF3-6719-C66A-4E6D-D4FF440AC53A}"/>
               </a:ext>
             </a:extLst>
           </p:cNvPr>
@@ -2699,7 +2699,7 @@
           <p:cNvPr id="7" name="灯片编号占位符 6">
             <a:extLst>
               <a:ext uri="{FF2B5EF4-FFF2-40B4-BE49-F238E27FC236}">
-                <a16:creationId xmlns:a16="http://schemas.microsoft.com/office/drawing/2014/main" id="{6FE8BF81-826E-3EAE-CC2F-57677BBFB371}"/>
+                <a16:creationId xmlns:a16="http://schemas.microsoft.com/office/drawing/2014/main" id="{4F885961-5DF8-3041-0519-483E64B271DC}"/>
               </a:ext>
             </a:extLst>
           </p:cNvPr>
@@ -2715,7 +2715,7 @@
           <a:bodyPr/>
           <a:lstStyle/>
           <a:p>
-            <a:fld id="{83B70F3A-75BF-4E83-876B-ED9F3EFEF57B}" type="slidenum">
+            <a:fld id="{330604BF-AAD4-480D-9DF7-BD189B01136D}" type="slidenum">
               <a:rPr lang="zh-CN" altLang="en-US" smtClean="0"/>
               <a:t>‹#›</a:t>
             </a:fld>
@@ -2726,7 +2726,7 @@
     </p:spTree>
     <p:extLst>
       <p:ext uri="{BB962C8B-B14F-4D97-AF65-F5344CB8AC3E}">
-        <p14:creationId xmlns:p14="http://schemas.microsoft.com/office/powerpoint/2010/main" val="1675933743"/>
+        <p14:creationId xmlns:p14="http://schemas.microsoft.com/office/powerpoint/2010/main" val="209531276"/>
       </p:ext>
     </p:extLst>
   </p:cSld>
@@ -2763,7 +2763,7 @@
           <p:cNvPr id="2" name="标题占位符 1">
             <a:extLst>
               <a:ext uri="{FF2B5EF4-FFF2-40B4-BE49-F238E27FC236}">
-                <a16:creationId xmlns:a16="http://schemas.microsoft.com/office/drawing/2014/main" id="{6C1167F6-E71D-6201-FA7D-34197ACEC776}"/>
+                <a16:creationId xmlns:a16="http://schemas.microsoft.com/office/drawing/2014/main" id="{0C20922A-7C6F-6376-BE89-3CAD13884E09}"/>
               </a:ext>
             </a:extLst>
           </p:cNvPr>
@@ -2801,7 +2801,7 @@
           <p:cNvPr id="3" name="文本占位符 2">
             <a:extLst>
               <a:ext uri="{FF2B5EF4-FFF2-40B4-BE49-F238E27FC236}">
-                <a16:creationId xmlns:a16="http://schemas.microsoft.com/office/drawing/2014/main" id="{0278CF1E-9378-FE63-43C3-57BAE79F2694}"/>
+                <a16:creationId xmlns:a16="http://schemas.microsoft.com/office/drawing/2014/main" id="{94ED7B92-10B9-25C8-96D8-1EC4C95E32E5}"/>
               </a:ext>
             </a:extLst>
           </p:cNvPr>
@@ -2868,7 +2868,7 @@
           <p:cNvPr id="4" name="日期占位符 3">
             <a:extLst>
               <a:ext uri="{FF2B5EF4-FFF2-40B4-BE49-F238E27FC236}">
-                <a16:creationId xmlns:a16="http://schemas.microsoft.com/office/drawing/2014/main" id="{9E31C908-9385-B1E0-DC43-32EA285135E5}"/>
+                <a16:creationId xmlns:a16="http://schemas.microsoft.com/office/drawing/2014/main" id="{E1C3AF7C-6C3A-040F-80D2-9D73A107DB17}"/>
               </a:ext>
             </a:extLst>
           </p:cNvPr>
@@ -2902,7 +2902,7 @@
             </a:lvl1pPr>
           </a:lstStyle>
           <a:p>
-            <a:fld id="{286B39CF-0107-4A2D-A0F3-A1CC8567BE74}" type="datetimeFigureOut">
+            <a:fld id="{D9072197-4B8D-4C02-B1C5-D73D0A377B8C}" type="datetimeFigureOut">
               <a:rPr lang="zh-CN" altLang="en-US" smtClean="0"/>
               <a:t>2024/3/10</a:t>
             </a:fld>
@@ -2915,7 +2915,7 @@
           <p:cNvPr id="5" name="页脚占位符 4">
             <a:extLst>
               <a:ext uri="{FF2B5EF4-FFF2-40B4-BE49-F238E27FC236}">
-                <a16:creationId xmlns:a16="http://schemas.microsoft.com/office/drawing/2014/main" id="{5157FBCA-B930-2895-3EF4-66AC58A65D77}"/>
+                <a16:creationId xmlns:a16="http://schemas.microsoft.com/office/drawing/2014/main" id="{901FCDA9-C19F-D772-8CBC-80D27762379F}"/>
               </a:ext>
             </a:extLst>
           </p:cNvPr>
@@ -2958,7 +2958,7 @@
           <p:cNvPr id="6" name="灯片编号占位符 5">
             <a:extLst>
               <a:ext uri="{FF2B5EF4-FFF2-40B4-BE49-F238E27FC236}">
-                <a16:creationId xmlns:a16="http://schemas.microsoft.com/office/drawing/2014/main" id="{817B00BA-F001-A533-4BF2-C52C61226921}"/>
+                <a16:creationId xmlns:a16="http://schemas.microsoft.com/office/drawing/2014/main" id="{C177D552-32E5-D2D8-B0D2-A811A162434E}"/>
               </a:ext>
             </a:extLst>
           </p:cNvPr>
@@ -2992,7 +2992,7 @@
             </a:lvl1pPr>
           </a:lstStyle>
           <a:p>
-            <a:fld id="{83B70F3A-75BF-4E83-876B-ED9F3EFEF57B}" type="slidenum">
+            <a:fld id="{330604BF-AAD4-480D-9DF7-BD189B01136D}" type="slidenum">
               <a:rPr lang="zh-CN" altLang="en-US" smtClean="0"/>
               <a:t>‹#›</a:t>
             </a:fld>
@@ -3003,7 +3003,7 @@
     </p:spTree>
     <p:extLst>
       <p:ext uri="{BB962C8B-B14F-4D97-AF65-F5344CB8AC3E}">
-        <p14:creationId xmlns:p14="http://schemas.microsoft.com/office/powerpoint/2010/main" val="97109150"/>
+        <p14:creationId xmlns:p14="http://schemas.microsoft.com/office/powerpoint/2010/main" val="3853087199"/>
       </p:ext>
     </p:extLst>
   </p:cSld>
